--- a/Technical Assignment.pptx
+++ b/Technical Assignment.pptx
@@ -11173,6 +11173,35 @@
           </a:p>
         </p:txBody>
       </p:sp>
+      <p:pic>
+        <p:nvPicPr>
+          <p:cNvPr id="5" name="Picture 4">
+            <a:extLst>
+              <a:ext uri="{FF2B5EF4-FFF2-40B4-BE49-F238E27FC236}">
+                <a16:creationId xmlns:a16="http://schemas.microsoft.com/office/drawing/2014/main" id="{A81FAB58-F4EA-18F2-E888-6C0F843B3B1B}"/>
+              </a:ext>
+            </a:extLst>
+          </p:cNvPr>
+          <p:cNvPicPr>
+            <a:picLocks noChangeAspect="1"/>
+          </p:cNvPicPr>
+          <p:nvPr/>
+        </p:nvPicPr>
+        <p:blipFill>
+          <a:blip r:embed="rId2"/>
+          <a:srcRect b="4128"/>
+          <a:stretch/>
+        </p:blipFill>
+        <p:spPr>
+          <a:xfrm>
+            <a:off x="5120685" y="1732547"/>
+            <a:ext cx="6734851" cy="4021708"/>
+          </a:xfrm>
+          <a:prstGeom prst="rect">
+            <a:avLst/>
+          </a:prstGeom>
+        </p:spPr>
+      </p:pic>
     </p:spTree>
     <p:extLst>
       <p:ext uri="{BB962C8B-B14F-4D97-AF65-F5344CB8AC3E}">
@@ -11261,12 +11290,46 @@
           </a:xfrm>
         </p:spPr>
         <p:txBody>
-          <a:bodyPr/>
+          <a:bodyPr>
+            <a:normAutofit/>
+          </a:bodyPr>
           <a:lstStyle/>
           <a:p>
+            <a:pPr algn="l"/>
             <a:r>
               <a:rPr lang="en-SG" dirty="0"/>
-              <a:t>Preferred method of installation is Containerized Setup</a:t>
+              <a:t>Preferred method of installation is </a:t>
+            </a:r>
+            <a:r>
+              <a:rPr lang="en-US" sz="1800" b="0" i="0" u="none" strike="noStrike" baseline="0" dirty="0">
+                <a:solidFill>
+                  <a:srgbClr val="000000"/>
+                </a:solidFill>
+                <a:latin typeface="Source Sans 3"/>
+              </a:rPr>
+              <a:t>Single Machine, All-</a:t>
+            </a:r>
+            <a:r>
+              <a:rPr lang="en-US" dirty="0">
+                <a:solidFill>
+                  <a:srgbClr val="000000"/>
+                </a:solidFill>
+                <a:latin typeface="Source Sans 3"/>
+              </a:rPr>
+              <a:t>In-One</a:t>
+            </a:r>
+            <a:r>
+              <a:rPr lang="en-US" sz="1800" b="0" i="0" u="none" strike="noStrike" baseline="0" dirty="0">
+                <a:solidFill>
+                  <a:srgbClr val="000000"/>
+                </a:solidFill>
+                <a:latin typeface="Source Sans 3"/>
+              </a:rPr>
+              <a:t>, </a:t>
+            </a:r>
+            <a:r>
+              <a:rPr lang="en-SG" dirty="0"/>
+              <a:t>Containerized Setup</a:t>
             </a:r>
           </a:p>
           <a:p>
